--- a/2 - Offensive Security Tactics for Linux Professionals - OSINT (Open Source Intelligence).pptx
+++ b/2 - Offensive Security Tactics for Linux Professionals - OSINT (Open Source Intelligence).pptx
@@ -5,7 +5,7 @@
     <p:sldMasterId id="2147483696" r:id="rId4"/>
   </p:sldMasterIdLst>
   <p:notesMasterIdLst>
-    <p:notesMasterId r:id="rId22"/>
+    <p:notesMasterId r:id="rId24"/>
   </p:notesMasterIdLst>
   <p:sldIdLst>
     <p:sldId id="306" r:id="rId5"/>
@@ -24,7 +24,9 @@
     <p:sldId id="327" r:id="rId18"/>
     <p:sldId id="324" r:id="rId19"/>
     <p:sldId id="331" r:id="rId20"/>
-    <p:sldId id="312" r:id="rId21"/>
+    <p:sldId id="332" r:id="rId21"/>
+    <p:sldId id="333" r:id="rId22"/>
+    <p:sldId id="312" r:id="rId23"/>
   </p:sldIdLst>
   <p:sldSz cx="12192000" cy="6858000"/>
   <p:notesSz cx="6858000" cy="9144000"/>
@@ -9560,7 +9562,7 @@
           <a:p>
             <a:fld id="{5EA28068-AFBD-4979-B752-9EB6F90B1386}" type="datetimeFigureOut">
               <a:rPr lang="en-US" smtClean="0"/>
-              <a:t>4/7/2022</a:t>
+              <a:t>4/10/2022</a:t>
             </a:fld>
             <a:endParaRPr lang="en-US" dirty="0"/>
           </a:p>
@@ -10086,7 +10088,7 @@
           <a:p>
             <a:fld id="{D5939589-3E79-4C82-AA4A-FE78234FAA59}" type="slidenum">
               <a:rPr lang="en-US" smtClean="0"/>
-              <a:t>17</a:t>
+              <a:t>19</a:t>
             </a:fld>
             <a:endParaRPr lang="en-US" dirty="0"/>
           </a:p>
@@ -21804,7 +21806,7 @@
             <a:pPr algn="ctr"/>
             <a:r>
               <a:rPr lang="en-US" sz="1400" dirty="0"/>
-              <a:t>Aqeeb Hussain (Durham DiRAC)</a:t>
+              <a:t>Aqeeb Hussain </a:t>
             </a:r>
           </a:p>
           <a:p>
@@ -26705,6 +26707,2039 @@
       </p:grpSpPr>
       <p:cxnSp>
         <p:nvCxnSpPr>
+          <p:cNvPr id="14" name="Straight Connector 13">
+            <a:extLst>
+              <a:ext uri="{FF2B5EF4-FFF2-40B4-BE49-F238E27FC236}">
+                <a16:creationId xmlns:a16="http://schemas.microsoft.com/office/drawing/2014/main" id="{D1B787A8-0D67-4B7E-9B48-86BD906AB6B5}"/>
+              </a:ext>
+              <a:ext uri="{C183D7F6-B498-43B3-948B-1728B52AA6E4}">
+                <adec:decorative xmlns:adec="http://schemas.microsoft.com/office/drawing/2017/decorative" val="1"/>
+              </a:ext>
+            </a:extLst>
+          </p:cNvPr>
+          <p:cNvCxnSpPr>
+            <a:cxnSpLocks noGrp="1" noRot="1" noChangeAspect="1" noMove="1" noResize="1" noEditPoints="1" noAdjustHandles="1" noChangeArrowheads="1" noChangeShapeType="1"/>
+          </p:cNvCxnSpPr>
+          <p:nvPr>
+            <p:extLst>
+              <p:ext uri="{386F3935-93C4-4BCD-93E2-E3B085C9AB24}">
+                <p16:designElem xmlns:p16="http://schemas.microsoft.com/office/powerpoint/2015/main" val="1"/>
+              </p:ext>
+            </p:extLst>
+          </p:nvPr>
+        </p:nvCxnSpPr>
+        <p:spPr>
+          <a:xfrm>
+            <a:off x="715890" y="1114050"/>
+            <a:ext cx="0" cy="5735637"/>
+          </a:xfrm>
+          <a:prstGeom prst="line">
+            <a:avLst/>
+          </a:prstGeom>
+          <a:ln w="25400" cap="sq">
+            <a:gradFill flip="none" rotWithShape="1">
+              <a:gsLst>
+                <a:gs pos="0">
+                  <a:schemeClr val="accent2"/>
+                </a:gs>
+                <a:gs pos="100000">
+                  <a:schemeClr val="accent4"/>
+                </a:gs>
+              </a:gsLst>
+              <a:lin ang="16200000" scaled="1"/>
+              <a:tileRect/>
+            </a:gradFill>
+            <a:bevel/>
+          </a:ln>
+        </p:spPr>
+        <p:style>
+          <a:lnRef idx="1">
+            <a:schemeClr val="accent1"/>
+          </a:lnRef>
+          <a:fillRef idx="0">
+            <a:schemeClr val="accent1"/>
+          </a:fillRef>
+          <a:effectRef idx="0">
+            <a:schemeClr val="accent1"/>
+          </a:effectRef>
+          <a:fontRef idx="minor">
+            <a:schemeClr val="tx1"/>
+          </a:fontRef>
+        </p:style>
+      </p:cxnSp>
+      <p:sp>
+        <p:nvSpPr>
+          <p:cNvPr id="16" name="Rectangle 15">
+            <a:extLst>
+              <a:ext uri="{FF2B5EF4-FFF2-40B4-BE49-F238E27FC236}">
+                <a16:creationId xmlns:a16="http://schemas.microsoft.com/office/drawing/2014/main" id="{158B3569-73B2-4D05-8E95-886A6EE17F1F}"/>
+              </a:ext>
+              <a:ext uri="{C183D7F6-B498-43B3-948B-1728B52AA6E4}">
+                <adec:decorative xmlns:adec="http://schemas.microsoft.com/office/drawing/2017/decorative" val="1"/>
+              </a:ext>
+            </a:extLst>
+          </p:cNvPr>
+          <p:cNvSpPr>
+            <a:spLocks noGrp="1" noRot="1" noChangeAspect="1" noMove="1" noResize="1" noEditPoints="1" noAdjustHandles="1" noChangeArrowheads="1" noChangeShapeType="1" noTextEdit="1"/>
+          </p:cNvSpPr>
+          <p:nvPr>
+            <p:extLst>
+              <p:ext uri="{386F3935-93C4-4BCD-93E2-E3B085C9AB24}">
+                <p16:designElem xmlns:p16="http://schemas.microsoft.com/office/powerpoint/2015/main" val="1"/>
+              </p:ext>
+            </p:extLst>
+          </p:nvPr>
+        </p:nvSpPr>
+        <p:spPr>
+          <a:xfrm>
+            <a:off x="0" y="0"/>
+            <a:ext cx="12192000" cy="6858000"/>
+          </a:xfrm>
+          <a:prstGeom prst="rect">
+            <a:avLst/>
+          </a:prstGeom>
+          <a:gradFill flip="none" rotWithShape="1">
+            <a:gsLst>
+              <a:gs pos="100000">
+                <a:schemeClr val="accent4"/>
+              </a:gs>
+              <a:gs pos="0">
+                <a:schemeClr val="accent2"/>
+              </a:gs>
+            </a:gsLst>
+            <a:lin ang="2700000" scaled="1"/>
+            <a:tileRect/>
+          </a:gradFill>
+          <a:ln>
+            <a:noFill/>
+          </a:ln>
+        </p:spPr>
+        <p:style>
+          <a:lnRef idx="2">
+            <a:schemeClr val="accent1">
+              <a:shade val="50000"/>
+            </a:schemeClr>
+          </a:lnRef>
+          <a:fillRef idx="1">
+            <a:schemeClr val="accent1"/>
+          </a:fillRef>
+          <a:effectRef idx="0">
+            <a:schemeClr val="accent1"/>
+          </a:effectRef>
+          <a:fontRef idx="minor">
+            <a:schemeClr val="lt1"/>
+          </a:fontRef>
+        </p:style>
+        <p:txBody>
+          <a:bodyPr rtlCol="0" anchor="ctr"/>
+          <a:lstStyle/>
+          <a:p>
+            <a:pPr algn="ctr"/>
+            <a:endParaRPr lang="en-US"/>
+          </a:p>
+        </p:txBody>
+      </p:sp>
+      <p:sp>
+        <p:nvSpPr>
+          <p:cNvPr id="3" name="Title 2">
+            <a:extLst>
+              <a:ext uri="{FF2B5EF4-FFF2-40B4-BE49-F238E27FC236}">
+                <a16:creationId xmlns:a16="http://schemas.microsoft.com/office/drawing/2014/main" id="{DD590B8E-B9AE-4A5D-BDC1-15FC6C1E6759}"/>
+              </a:ext>
+            </a:extLst>
+          </p:cNvPr>
+          <p:cNvSpPr>
+            <a:spLocks noGrp="1"/>
+          </p:cNvSpPr>
+          <p:nvPr>
+            <p:ph type="title"/>
+          </p:nvPr>
+        </p:nvSpPr>
+        <p:spPr>
+          <a:xfrm>
+            <a:off x="457200" y="1598246"/>
+            <a:ext cx="4412419" cy="3626217"/>
+          </a:xfrm>
+        </p:spPr>
+        <p:txBody>
+          <a:bodyPr vert="horz" lIns="91440" tIns="45720" rIns="91440" bIns="45720" rtlCol="0" anchor="t">
+            <a:normAutofit/>
+          </a:bodyPr>
+          <a:lstStyle/>
+          <a:p>
+            <a:pPr algn="r"/>
+            <a:r>
+              <a:rPr lang="en-US" sz="5000" b="1" i="0" kern="1200" cap="all" baseline="0" dirty="0">
+                <a:solidFill>
+                  <a:schemeClr val="bg1"/>
+                </a:solidFill>
+                <a:latin typeface="+mj-lt"/>
+                <a:ea typeface="+mj-ea"/>
+                <a:cs typeface="+mj-cs"/>
+              </a:rPr>
+              <a:t>Questions?</a:t>
+            </a:r>
+          </a:p>
+        </p:txBody>
+      </p:sp>
+      <p:sp>
+        <p:nvSpPr>
+          <p:cNvPr id="7" name="Slide Number Placeholder 6">
+            <a:extLst>
+              <a:ext uri="{FF2B5EF4-FFF2-40B4-BE49-F238E27FC236}">
+                <a16:creationId xmlns:a16="http://schemas.microsoft.com/office/drawing/2014/main" id="{691697AD-4B11-4CF1-BBB7-FB440669C95E}"/>
+              </a:ext>
+            </a:extLst>
+          </p:cNvPr>
+          <p:cNvSpPr>
+            <a:spLocks noGrp="1"/>
+          </p:cNvSpPr>
+          <p:nvPr>
+            <p:ph type="sldNum" sz="quarter" idx="12"/>
+          </p:nvPr>
+        </p:nvSpPr>
+        <p:spPr>
+          <a:xfrm>
+            <a:off x="8610600" y="224937"/>
+            <a:ext cx="2743200" cy="365125"/>
+          </a:xfrm>
+        </p:spPr>
+        <p:txBody>
+          <a:bodyPr vert="horz" lIns="91440" tIns="45720" rIns="91440" bIns="45720" rtlCol="0" anchor="ctr">
+            <a:normAutofit/>
+          </a:bodyPr>
+          <a:lstStyle/>
+          <a:p>
+            <a:pPr>
+              <a:spcAft>
+                <a:spcPts val="600"/>
+              </a:spcAft>
+            </a:pPr>
+            <a:fld id="{D8DA9DAA-006C-4F4B-980E-E3DF019B24E2}" type="slidenum">
+              <a:rPr lang="en-US">
+                <a:solidFill>
+                  <a:schemeClr val="bg1"/>
+                </a:solidFill>
+              </a:rPr>
+              <a:pPr>
+                <a:spcAft>
+                  <a:spcPts val="600"/>
+                </a:spcAft>
+              </a:pPr>
+              <a:t>17</a:t>
+            </a:fld>
+            <a:endParaRPr lang="en-US">
+              <a:solidFill>
+                <a:schemeClr val="bg1"/>
+              </a:solidFill>
+            </a:endParaRPr>
+          </a:p>
+        </p:txBody>
+      </p:sp>
+      <p:sp>
+        <p:nvSpPr>
+          <p:cNvPr id="18" name="Graphic 17">
+            <a:extLst>
+              <a:ext uri="{FF2B5EF4-FFF2-40B4-BE49-F238E27FC236}">
+                <a16:creationId xmlns:a16="http://schemas.microsoft.com/office/drawing/2014/main" id="{B71758F4-3F46-45DA-8AC5-4E508DA080BA}"/>
+              </a:ext>
+              <a:ext uri="{C183D7F6-B498-43B3-948B-1728B52AA6E4}">
+                <adec:decorative xmlns:adec="http://schemas.microsoft.com/office/drawing/2017/decorative" val="1"/>
+              </a:ext>
+            </a:extLst>
+          </p:cNvPr>
+          <p:cNvSpPr>
+            <a:spLocks noGrp="1" noRot="1" noChangeAspect="1" noMove="1" noResize="1" noEditPoints="1" noAdjustHandles="1" noChangeArrowheads="1" noChangeShapeType="1" noTextEdit="1"/>
+          </p:cNvSpPr>
+          <p:nvPr>
+            <p:extLst>
+              <p:ext uri="{386F3935-93C4-4BCD-93E2-E3B085C9AB24}">
+                <p16:designElem xmlns:p16="http://schemas.microsoft.com/office/powerpoint/2015/main" val="1"/>
+              </p:ext>
+            </p:extLst>
+          </p:nvPr>
+        </p:nvSpPr>
+        <p:spPr>
+          <a:xfrm>
+            <a:off x="11512034" y="1267063"/>
+            <a:ext cx="139037" cy="139039"/>
+          </a:xfrm>
+          <a:custGeom>
+            <a:avLst/>
+            <a:gdLst>
+              <a:gd name="connsiteX0" fmla="*/ 129600 w 139037"/>
+              <a:gd name="connsiteY0" fmla="*/ 60082 h 139039"/>
+              <a:gd name="connsiteX1" fmla="*/ 78955 w 139037"/>
+              <a:gd name="connsiteY1" fmla="*/ 60082 h 139039"/>
+              <a:gd name="connsiteX2" fmla="*/ 78955 w 139037"/>
+              <a:gd name="connsiteY2" fmla="*/ 9437 h 139039"/>
+              <a:gd name="connsiteX3" fmla="*/ 69519 w 139037"/>
+              <a:gd name="connsiteY3" fmla="*/ 0 h 139039"/>
+              <a:gd name="connsiteX4" fmla="*/ 60082 w 139037"/>
+              <a:gd name="connsiteY4" fmla="*/ 9437 h 139039"/>
+              <a:gd name="connsiteX5" fmla="*/ 60082 w 139037"/>
+              <a:gd name="connsiteY5" fmla="*/ 60082 h 139039"/>
+              <a:gd name="connsiteX6" fmla="*/ 9437 w 139037"/>
+              <a:gd name="connsiteY6" fmla="*/ 60082 h 139039"/>
+              <a:gd name="connsiteX7" fmla="*/ 0 w 139037"/>
+              <a:gd name="connsiteY7" fmla="*/ 69520 h 139039"/>
+              <a:gd name="connsiteX8" fmla="*/ 9437 w 139037"/>
+              <a:gd name="connsiteY8" fmla="*/ 78957 h 139039"/>
+              <a:gd name="connsiteX9" fmla="*/ 60082 w 139037"/>
+              <a:gd name="connsiteY9" fmla="*/ 78957 h 139039"/>
+              <a:gd name="connsiteX10" fmla="*/ 60082 w 139037"/>
+              <a:gd name="connsiteY10" fmla="*/ 129602 h 139039"/>
+              <a:gd name="connsiteX11" fmla="*/ 69519 w 139037"/>
+              <a:gd name="connsiteY11" fmla="*/ 139039 h 139039"/>
+              <a:gd name="connsiteX12" fmla="*/ 78955 w 139037"/>
+              <a:gd name="connsiteY12" fmla="*/ 129602 h 139039"/>
+              <a:gd name="connsiteX13" fmla="*/ 78955 w 139037"/>
+              <a:gd name="connsiteY13" fmla="*/ 78957 h 139039"/>
+              <a:gd name="connsiteX14" fmla="*/ 129600 w 139037"/>
+              <a:gd name="connsiteY14" fmla="*/ 78957 h 139039"/>
+              <a:gd name="connsiteX15" fmla="*/ 139037 w 139037"/>
+              <a:gd name="connsiteY15" fmla="*/ 69520 h 139039"/>
+              <a:gd name="connsiteX16" fmla="*/ 129600 w 139037"/>
+              <a:gd name="connsiteY16" fmla="*/ 60082 h 139039"/>
+            </a:gdLst>
+            <a:ahLst/>
+            <a:cxnLst>
+              <a:cxn ang="0">
+                <a:pos x="connsiteX0" y="connsiteY0"/>
+              </a:cxn>
+              <a:cxn ang="0">
+                <a:pos x="connsiteX1" y="connsiteY1"/>
+              </a:cxn>
+              <a:cxn ang="0">
+                <a:pos x="connsiteX2" y="connsiteY2"/>
+              </a:cxn>
+              <a:cxn ang="0">
+                <a:pos x="connsiteX3" y="connsiteY3"/>
+              </a:cxn>
+              <a:cxn ang="0">
+                <a:pos x="connsiteX4" y="connsiteY4"/>
+              </a:cxn>
+              <a:cxn ang="0">
+                <a:pos x="connsiteX5" y="connsiteY5"/>
+              </a:cxn>
+              <a:cxn ang="0">
+                <a:pos x="connsiteX6" y="connsiteY6"/>
+              </a:cxn>
+              <a:cxn ang="0">
+                <a:pos x="connsiteX7" y="connsiteY7"/>
+              </a:cxn>
+              <a:cxn ang="0">
+                <a:pos x="connsiteX8" y="connsiteY8"/>
+              </a:cxn>
+              <a:cxn ang="0">
+                <a:pos x="connsiteX9" y="connsiteY9"/>
+              </a:cxn>
+              <a:cxn ang="0">
+                <a:pos x="connsiteX10" y="connsiteY10"/>
+              </a:cxn>
+              <a:cxn ang="0">
+                <a:pos x="connsiteX11" y="connsiteY11"/>
+              </a:cxn>
+              <a:cxn ang="0">
+                <a:pos x="connsiteX12" y="connsiteY12"/>
+              </a:cxn>
+              <a:cxn ang="0">
+                <a:pos x="connsiteX13" y="connsiteY13"/>
+              </a:cxn>
+              <a:cxn ang="0">
+                <a:pos x="connsiteX14" y="connsiteY14"/>
+              </a:cxn>
+              <a:cxn ang="0">
+                <a:pos x="connsiteX15" y="connsiteY15"/>
+              </a:cxn>
+              <a:cxn ang="0">
+                <a:pos x="connsiteX16" y="connsiteY16"/>
+              </a:cxn>
+            </a:cxnLst>
+            <a:rect l="l" t="t" r="r" b="b"/>
+            <a:pathLst>
+              <a:path w="139037" h="139039">
+                <a:moveTo>
+                  <a:pt x="129600" y="60082"/>
+                </a:moveTo>
+                <a:lnTo>
+                  <a:pt x="78955" y="60082"/>
+                </a:lnTo>
+                <a:lnTo>
+                  <a:pt x="78955" y="9437"/>
+                </a:lnTo>
+                <a:cubicBezTo>
+                  <a:pt x="78955" y="4225"/>
+                  <a:pt x="74730" y="0"/>
+                  <a:pt x="69519" y="0"/>
+                </a:cubicBezTo>
+                <a:cubicBezTo>
+                  <a:pt x="64307" y="0"/>
+                  <a:pt x="60082" y="4225"/>
+                  <a:pt x="60082" y="9437"/>
+                </a:cubicBezTo>
+                <a:lnTo>
+                  <a:pt x="60082" y="60082"/>
+                </a:lnTo>
+                <a:lnTo>
+                  <a:pt x="9437" y="60082"/>
+                </a:lnTo>
+                <a:cubicBezTo>
+                  <a:pt x="4225" y="60082"/>
+                  <a:pt x="0" y="64308"/>
+                  <a:pt x="0" y="69520"/>
+                </a:cubicBezTo>
+                <a:cubicBezTo>
+                  <a:pt x="0" y="74731"/>
+                  <a:pt x="4225" y="78957"/>
+                  <a:pt x="9437" y="78957"/>
+                </a:cubicBezTo>
+                <a:lnTo>
+                  <a:pt x="60082" y="78957"/>
+                </a:lnTo>
+                <a:lnTo>
+                  <a:pt x="60082" y="129602"/>
+                </a:lnTo>
+                <a:cubicBezTo>
+                  <a:pt x="60082" y="134814"/>
+                  <a:pt x="64307" y="139039"/>
+                  <a:pt x="69519" y="139039"/>
+                </a:cubicBezTo>
+                <a:cubicBezTo>
+                  <a:pt x="74730" y="139039"/>
+                  <a:pt x="78955" y="134814"/>
+                  <a:pt x="78955" y="129602"/>
+                </a:cubicBezTo>
+                <a:lnTo>
+                  <a:pt x="78955" y="78957"/>
+                </a:lnTo>
+                <a:lnTo>
+                  <a:pt x="129600" y="78957"/>
+                </a:lnTo>
+                <a:cubicBezTo>
+                  <a:pt x="134812" y="78957"/>
+                  <a:pt x="139037" y="74731"/>
+                  <a:pt x="139037" y="69520"/>
+                </a:cubicBezTo>
+                <a:cubicBezTo>
+                  <a:pt x="139037" y="64308"/>
+                  <a:pt x="134812" y="60082"/>
+                  <a:pt x="129600" y="60082"/>
+                </a:cubicBezTo>
+                <a:close/>
+              </a:path>
+            </a:pathLst>
+          </a:custGeom>
+          <a:solidFill>
+            <a:schemeClr val="bg1"/>
+          </a:solidFill>
+          <a:ln w="603" cap="flat">
+            <a:noFill/>
+            <a:prstDash val="solid"/>
+            <a:miter/>
+          </a:ln>
+        </p:spPr>
+        <p:txBody>
+          <a:bodyPr rtlCol="0" anchor="ctr"/>
+          <a:lstStyle/>
+          <a:p>
+            <a:endParaRPr lang="en-US"/>
+          </a:p>
+        </p:txBody>
+      </p:sp>
+      <p:cxnSp>
+        <p:nvCxnSpPr>
+          <p:cNvPr id="20" name="Straight Connector 19">
+            <a:extLst>
+              <a:ext uri="{FF2B5EF4-FFF2-40B4-BE49-F238E27FC236}">
+                <a16:creationId xmlns:a16="http://schemas.microsoft.com/office/drawing/2014/main" id="{56020367-4FD5-4596-8E10-C5F095CD8DBF}"/>
+              </a:ext>
+              <a:ext uri="{C183D7F6-B498-43B3-948B-1728B52AA6E4}">
+                <adec:decorative xmlns:adec="http://schemas.microsoft.com/office/drawing/2017/decorative" val="1"/>
+              </a:ext>
+            </a:extLst>
+          </p:cNvPr>
+          <p:cNvCxnSpPr>
+            <a:cxnSpLocks noGrp="1" noRot="1" noChangeAspect="1" noMove="1" noResize="1" noEditPoints="1" noAdjustHandles="1" noChangeArrowheads="1" noChangeShapeType="1"/>
+          </p:cNvCxnSpPr>
+          <p:nvPr>
+            <p:extLst>
+              <p:ext uri="{386F3935-93C4-4BCD-93E2-E3B085C9AB24}">
+                <p16:designElem xmlns:p16="http://schemas.microsoft.com/office/powerpoint/2015/main" val="1"/>
+              </p:ext>
+            </p:extLst>
+          </p:nvPr>
+        </p:nvCxnSpPr>
+        <p:spPr>
+          <a:xfrm>
+            <a:off x="5447322" y="1589368"/>
+            <a:ext cx="0" cy="5259754"/>
+          </a:xfrm>
+          <a:prstGeom prst="line">
+            <a:avLst/>
+          </a:prstGeom>
+          <a:ln w="25400" cap="sq">
+            <a:solidFill>
+              <a:schemeClr val="bg1"/>
+            </a:solidFill>
+            <a:bevel/>
+          </a:ln>
+        </p:spPr>
+        <p:style>
+          <a:lnRef idx="1">
+            <a:schemeClr val="accent1"/>
+          </a:lnRef>
+          <a:fillRef idx="0">
+            <a:schemeClr val="accent1"/>
+          </a:fillRef>
+          <a:effectRef idx="0">
+            <a:schemeClr val="accent1"/>
+          </a:effectRef>
+          <a:fontRef idx="minor">
+            <a:schemeClr val="tx1"/>
+          </a:fontRef>
+        </p:style>
+      </p:cxnSp>
+      <p:pic>
+        <p:nvPicPr>
+          <p:cNvPr id="11" name="Graphic 10" descr="Question mark">
+            <a:extLst>
+              <a:ext uri="{FF2B5EF4-FFF2-40B4-BE49-F238E27FC236}">
+                <a16:creationId xmlns:a16="http://schemas.microsoft.com/office/drawing/2014/main" id="{799BC0E0-5D68-2128-FAA3-6DE7FF146E61}"/>
+              </a:ext>
+            </a:extLst>
+          </p:cNvPr>
+          <p:cNvPicPr>
+            <a:picLocks noChangeAspect="1"/>
+          </p:cNvPicPr>
+          <p:nvPr/>
+        </p:nvPicPr>
+        <p:blipFill>
+          <a:blip r:embed="rId2">
+            <a:extLst>
+              <a:ext uri="{28A0092B-C50C-407E-A947-70E740481C1C}">
+                <a14:useLocalDpi xmlns:a14="http://schemas.microsoft.com/office/drawing/2010/main" val="0"/>
+              </a:ext>
+              <a:ext uri="{96DAC541-7B7A-43D3-8B79-37D633B846F1}">
+                <asvg:svgBlip xmlns:asvg="http://schemas.microsoft.com/office/drawing/2016/SVG/main" r:embed="rId3"/>
+              </a:ext>
+            </a:extLst>
+          </a:blip>
+          <a:stretch>
+            <a:fillRect/>
+          </a:stretch>
+        </p:blipFill>
+        <p:spPr>
+          <a:xfrm>
+            <a:off x="6380106" y="1598246"/>
+            <a:ext cx="4783504" cy="4783504"/>
+          </a:xfrm>
+          <a:prstGeom prst="rect">
+            <a:avLst/>
+          </a:prstGeom>
+        </p:spPr>
+      </p:pic>
+      <p:sp>
+        <p:nvSpPr>
+          <p:cNvPr id="22" name="Graphic 21">
+            <a:extLst>
+              <a:ext uri="{FF2B5EF4-FFF2-40B4-BE49-F238E27FC236}">
+                <a16:creationId xmlns:a16="http://schemas.microsoft.com/office/drawing/2014/main" id="{8D61482F-F3C5-4D66-8C5D-C6BBE3E1275C}"/>
+              </a:ext>
+              <a:ext uri="{C183D7F6-B498-43B3-948B-1728B52AA6E4}">
+                <adec:decorative xmlns:adec="http://schemas.microsoft.com/office/drawing/2017/decorative" val="1"/>
+              </a:ext>
+            </a:extLst>
+          </p:cNvPr>
+          <p:cNvSpPr>
+            <a:spLocks noGrp="1" noRot="1" noChangeAspect="1" noMove="1" noResize="1" noEditPoints="1" noAdjustHandles="1" noChangeArrowheads="1" noChangeShapeType="1" noTextEdit="1"/>
+          </p:cNvSpPr>
+          <p:nvPr>
+            <p:extLst>
+              <p:ext uri="{386F3935-93C4-4BCD-93E2-E3B085C9AB24}">
+                <p16:designElem xmlns:p16="http://schemas.microsoft.com/office/powerpoint/2015/main" val="1"/>
+              </p:ext>
+            </p:extLst>
+          </p:nvPr>
+        </p:nvSpPr>
+        <p:spPr>
+          <a:xfrm>
+            <a:off x="11752801" y="1659316"/>
+            <a:ext cx="127713" cy="127714"/>
+          </a:xfrm>
+          <a:custGeom>
+            <a:avLst/>
+            <a:gdLst>
+              <a:gd name="connsiteX0" fmla="*/ 63857 w 127713"/>
+              <a:gd name="connsiteY0" fmla="*/ 18874 h 127714"/>
+              <a:gd name="connsiteX1" fmla="*/ 108839 w 127713"/>
+              <a:gd name="connsiteY1" fmla="*/ 63857 h 127714"/>
+              <a:gd name="connsiteX2" fmla="*/ 63857 w 127713"/>
+              <a:gd name="connsiteY2" fmla="*/ 108840 h 127714"/>
+              <a:gd name="connsiteX3" fmla="*/ 18874 w 127713"/>
+              <a:gd name="connsiteY3" fmla="*/ 63857 h 127714"/>
+              <a:gd name="connsiteX4" fmla="*/ 63857 w 127713"/>
+              <a:gd name="connsiteY4" fmla="*/ 18874 h 127714"/>
+              <a:gd name="connsiteX5" fmla="*/ 63857 w 127713"/>
+              <a:gd name="connsiteY5" fmla="*/ 0 h 127714"/>
+              <a:gd name="connsiteX6" fmla="*/ 0 w 127713"/>
+              <a:gd name="connsiteY6" fmla="*/ 63857 h 127714"/>
+              <a:gd name="connsiteX7" fmla="*/ 63857 w 127713"/>
+              <a:gd name="connsiteY7" fmla="*/ 127714 h 127714"/>
+              <a:gd name="connsiteX8" fmla="*/ 127713 w 127713"/>
+              <a:gd name="connsiteY8" fmla="*/ 63857 h 127714"/>
+              <a:gd name="connsiteX9" fmla="*/ 63857 w 127713"/>
+              <a:gd name="connsiteY9" fmla="*/ 0 h 127714"/>
+            </a:gdLst>
+            <a:ahLst/>
+            <a:cxnLst>
+              <a:cxn ang="0">
+                <a:pos x="connsiteX0" y="connsiteY0"/>
+              </a:cxn>
+              <a:cxn ang="0">
+                <a:pos x="connsiteX1" y="connsiteY1"/>
+              </a:cxn>
+              <a:cxn ang="0">
+                <a:pos x="connsiteX2" y="connsiteY2"/>
+              </a:cxn>
+              <a:cxn ang="0">
+                <a:pos x="connsiteX3" y="connsiteY3"/>
+              </a:cxn>
+              <a:cxn ang="0">
+                <a:pos x="connsiteX4" y="connsiteY4"/>
+              </a:cxn>
+              <a:cxn ang="0">
+                <a:pos x="connsiteX5" y="connsiteY5"/>
+              </a:cxn>
+              <a:cxn ang="0">
+                <a:pos x="connsiteX6" y="connsiteY6"/>
+              </a:cxn>
+              <a:cxn ang="0">
+                <a:pos x="connsiteX7" y="connsiteY7"/>
+              </a:cxn>
+              <a:cxn ang="0">
+                <a:pos x="connsiteX8" y="connsiteY8"/>
+              </a:cxn>
+              <a:cxn ang="0">
+                <a:pos x="connsiteX9" y="connsiteY9"/>
+              </a:cxn>
+            </a:cxnLst>
+            <a:rect l="l" t="t" r="r" b="b"/>
+            <a:pathLst>
+              <a:path w="127713" h="127714">
+                <a:moveTo>
+                  <a:pt x="63857" y="18874"/>
+                </a:moveTo>
+                <a:cubicBezTo>
+                  <a:pt x="88700" y="18874"/>
+                  <a:pt x="108839" y="39014"/>
+                  <a:pt x="108839" y="63857"/>
+                </a:cubicBezTo>
+                <a:cubicBezTo>
+                  <a:pt x="108839" y="88700"/>
+                  <a:pt x="88700" y="108840"/>
+                  <a:pt x="63857" y="108840"/>
+                </a:cubicBezTo>
+                <a:cubicBezTo>
+                  <a:pt x="39013" y="108840"/>
+                  <a:pt x="18874" y="88700"/>
+                  <a:pt x="18874" y="63857"/>
+                </a:cubicBezTo>
+                <a:cubicBezTo>
+                  <a:pt x="18898" y="39024"/>
+                  <a:pt x="39023" y="18898"/>
+                  <a:pt x="63857" y="18874"/>
+                </a:cubicBezTo>
+                <a:moveTo>
+                  <a:pt x="63857" y="0"/>
+                </a:moveTo>
+                <a:cubicBezTo>
+                  <a:pt x="28590" y="0"/>
+                  <a:pt x="0" y="28590"/>
+                  <a:pt x="0" y="63857"/>
+                </a:cubicBezTo>
+                <a:cubicBezTo>
+                  <a:pt x="0" y="99124"/>
+                  <a:pt x="28590" y="127714"/>
+                  <a:pt x="63857" y="127714"/>
+                </a:cubicBezTo>
+                <a:cubicBezTo>
+                  <a:pt x="99124" y="127714"/>
+                  <a:pt x="127713" y="99124"/>
+                  <a:pt x="127713" y="63857"/>
+                </a:cubicBezTo>
+                <a:cubicBezTo>
+                  <a:pt x="127713" y="28590"/>
+                  <a:pt x="99124" y="0"/>
+                  <a:pt x="63857" y="0"/>
+                </a:cubicBezTo>
+                <a:close/>
+              </a:path>
+            </a:pathLst>
+          </a:custGeom>
+          <a:solidFill>
+            <a:schemeClr val="bg1"/>
+          </a:solidFill>
+          <a:ln w="610" cap="flat">
+            <a:noFill/>
+            <a:prstDash val="solid"/>
+            <a:miter/>
+          </a:ln>
+        </p:spPr>
+        <p:txBody>
+          <a:bodyPr rtlCol="0" anchor="ctr"/>
+          <a:lstStyle/>
+          <a:p>
+            <a:endParaRPr lang="en-US"/>
+          </a:p>
+        </p:txBody>
+      </p:sp>
+    </p:spTree>
+    <p:extLst>
+      <p:ext uri="{BB962C8B-B14F-4D97-AF65-F5344CB8AC3E}">
+        <p14:creationId xmlns:p14="http://schemas.microsoft.com/office/powerpoint/2010/main" val="1911843706"/>
+      </p:ext>
+    </p:extLst>
+  </p:cSld>
+  <p:clrMapOvr>
+    <a:masterClrMapping/>
+  </p:clrMapOvr>
+</p:sld>
+</file>
+
+<file path=ppt/slides/slide18.xml><?xml version="1.0" encoding="utf-8"?>
+<p:sld xmlns:a="http://schemas.openxmlformats.org/drawingml/2006/main" xmlns:r="http://schemas.openxmlformats.org/officeDocument/2006/relationships" xmlns:p="http://schemas.openxmlformats.org/presentationml/2006/main">
+  <p:cSld>
+    <p:bg>
+      <p:bgPr>
+        <a:solidFill>
+          <a:schemeClr val="bg1"/>
+        </a:solidFill>
+        <a:effectLst/>
+      </p:bgPr>
+    </p:bg>
+    <p:spTree>
+      <p:nvGrpSpPr>
+        <p:cNvPr id="1" name=""/>
+        <p:cNvGrpSpPr/>
+        <p:nvPr/>
+      </p:nvGrpSpPr>
+      <p:grpSpPr>
+        <a:xfrm>
+          <a:off x="0" y="0"/>
+          <a:ext cx="0" cy="0"/>
+          <a:chOff x="0" y="0"/>
+          <a:chExt cx="0" cy="0"/>
+        </a:xfrm>
+      </p:grpSpPr>
+      <p:cxnSp>
+        <p:nvCxnSpPr>
+          <p:cNvPr id="12" name="Straight Connector 11">
+            <a:extLst>
+              <a:ext uri="{FF2B5EF4-FFF2-40B4-BE49-F238E27FC236}">
+                <a16:creationId xmlns:a16="http://schemas.microsoft.com/office/drawing/2014/main" id="{D1B787A8-0D67-4B7E-9B48-86BD906AB6B5}"/>
+              </a:ext>
+              <a:ext uri="{C183D7F6-B498-43B3-948B-1728B52AA6E4}">
+                <adec:decorative xmlns:adec="http://schemas.microsoft.com/office/drawing/2017/decorative" val="1"/>
+              </a:ext>
+            </a:extLst>
+          </p:cNvPr>
+          <p:cNvCxnSpPr>
+            <a:cxnSpLocks noGrp="1" noRot="1" noChangeAspect="1" noMove="1" noResize="1" noEditPoints="1" noAdjustHandles="1" noChangeArrowheads="1" noChangeShapeType="1"/>
+          </p:cNvCxnSpPr>
+          <p:nvPr>
+            <p:extLst>
+              <p:ext uri="{386F3935-93C4-4BCD-93E2-E3B085C9AB24}">
+                <p16:designElem xmlns:p16="http://schemas.microsoft.com/office/powerpoint/2015/main" val="1"/>
+              </p:ext>
+            </p:extLst>
+          </p:nvPr>
+        </p:nvCxnSpPr>
+        <p:spPr>
+          <a:xfrm>
+            <a:off x="715890" y="1114050"/>
+            <a:ext cx="0" cy="5735637"/>
+          </a:xfrm>
+          <a:prstGeom prst="line">
+            <a:avLst/>
+          </a:prstGeom>
+          <a:ln w="25400" cap="sq">
+            <a:gradFill flip="none" rotWithShape="1">
+              <a:gsLst>
+                <a:gs pos="0">
+                  <a:schemeClr val="accent2"/>
+                </a:gs>
+                <a:gs pos="100000">
+                  <a:schemeClr val="accent4"/>
+                </a:gs>
+              </a:gsLst>
+              <a:lin ang="16200000" scaled="1"/>
+              <a:tileRect/>
+            </a:gradFill>
+            <a:bevel/>
+          </a:ln>
+        </p:spPr>
+        <p:style>
+          <a:lnRef idx="1">
+            <a:schemeClr val="accent1"/>
+          </a:lnRef>
+          <a:fillRef idx="0">
+            <a:schemeClr val="accent1"/>
+          </a:fillRef>
+          <a:effectRef idx="0">
+            <a:schemeClr val="accent1"/>
+          </a:effectRef>
+          <a:fontRef idx="minor">
+            <a:schemeClr val="tx1"/>
+          </a:fontRef>
+        </p:style>
+      </p:cxnSp>
+      <p:sp>
+        <p:nvSpPr>
+          <p:cNvPr id="14" name="Rectangle 13">
+            <a:extLst>
+              <a:ext uri="{FF2B5EF4-FFF2-40B4-BE49-F238E27FC236}">
+                <a16:creationId xmlns:a16="http://schemas.microsoft.com/office/drawing/2014/main" id="{8F9CBE3F-79A8-4F8F-88D9-DAD03D0D281F}"/>
+              </a:ext>
+              <a:ext uri="{C183D7F6-B498-43B3-948B-1728B52AA6E4}">
+                <adec:decorative xmlns:adec="http://schemas.microsoft.com/office/drawing/2017/decorative" val="1"/>
+              </a:ext>
+            </a:extLst>
+          </p:cNvPr>
+          <p:cNvSpPr>
+            <a:spLocks noGrp="1" noRot="1" noChangeAspect="1" noMove="1" noResize="1" noEditPoints="1" noAdjustHandles="1" noChangeArrowheads="1" noChangeShapeType="1" noTextEdit="1"/>
+          </p:cNvSpPr>
+          <p:nvPr>
+            <p:extLst>
+              <p:ext uri="{386F3935-93C4-4BCD-93E2-E3B085C9AB24}">
+                <p16:designElem xmlns:p16="http://schemas.microsoft.com/office/powerpoint/2015/main" val="1"/>
+              </p:ext>
+            </p:extLst>
+          </p:nvPr>
+        </p:nvSpPr>
+        <p:spPr>
+          <a:xfrm>
+            <a:off x="0" y="0"/>
+            <a:ext cx="12192000" cy="6858000"/>
+          </a:xfrm>
+          <a:prstGeom prst="rect">
+            <a:avLst/>
+          </a:prstGeom>
+          <a:gradFill flip="none" rotWithShape="1">
+            <a:gsLst>
+              <a:gs pos="100000">
+                <a:schemeClr val="accent4"/>
+              </a:gs>
+              <a:gs pos="0">
+                <a:schemeClr val="accent2"/>
+              </a:gs>
+            </a:gsLst>
+            <a:lin ang="2700000" scaled="1"/>
+            <a:tileRect/>
+          </a:gradFill>
+          <a:ln>
+            <a:noFill/>
+          </a:ln>
+        </p:spPr>
+        <p:style>
+          <a:lnRef idx="2">
+            <a:schemeClr val="accent1">
+              <a:shade val="50000"/>
+            </a:schemeClr>
+          </a:lnRef>
+          <a:fillRef idx="1">
+            <a:schemeClr val="accent1"/>
+          </a:fillRef>
+          <a:effectRef idx="0">
+            <a:schemeClr val="accent1"/>
+          </a:effectRef>
+          <a:fontRef idx="minor">
+            <a:schemeClr val="lt1"/>
+          </a:fontRef>
+        </p:style>
+        <p:txBody>
+          <a:bodyPr rtlCol="0" anchor="ctr"/>
+          <a:lstStyle/>
+          <a:p>
+            <a:pPr algn="ctr"/>
+            <a:endParaRPr lang="en-US"/>
+          </a:p>
+        </p:txBody>
+      </p:sp>
+      <p:sp>
+        <p:nvSpPr>
+          <p:cNvPr id="3" name="Title 2">
+            <a:extLst>
+              <a:ext uri="{FF2B5EF4-FFF2-40B4-BE49-F238E27FC236}">
+                <a16:creationId xmlns:a16="http://schemas.microsoft.com/office/drawing/2014/main" id="{DB53DD26-15AB-4714-BDA5-6B213AF00246}"/>
+              </a:ext>
+            </a:extLst>
+          </p:cNvPr>
+          <p:cNvSpPr>
+            <a:spLocks noGrp="1"/>
+          </p:cNvSpPr>
+          <p:nvPr>
+            <p:ph type="title"/>
+          </p:nvPr>
+        </p:nvSpPr>
+        <p:spPr>
+          <a:xfrm>
+            <a:off x="1522030" y="1209220"/>
+            <a:ext cx="9147940" cy="2337238"/>
+          </a:xfrm>
+        </p:spPr>
+        <p:txBody>
+          <a:bodyPr vert="horz" lIns="91440" tIns="45720" rIns="91440" bIns="45720" rtlCol="0" anchor="b">
+            <a:normAutofit/>
+          </a:bodyPr>
+          <a:lstStyle/>
+          <a:p>
+            <a:pPr algn="ctr"/>
+            <a:r>
+              <a:rPr lang="en-US" sz="6000" b="1" i="0" kern="1200" cap="all" baseline="0">
+                <a:solidFill>
+                  <a:schemeClr val="bg1"/>
+                </a:solidFill>
+                <a:latin typeface="+mj-lt"/>
+                <a:ea typeface="+mj-ea"/>
+                <a:cs typeface="+mj-cs"/>
+              </a:rPr>
+              <a:t>Next Talk: Active Reconnaissance</a:t>
+            </a:r>
+          </a:p>
+        </p:txBody>
+      </p:sp>
+      <p:sp>
+        <p:nvSpPr>
+          <p:cNvPr id="16" name="Graphic 22">
+            <a:extLst>
+              <a:ext uri="{FF2B5EF4-FFF2-40B4-BE49-F238E27FC236}">
+                <a16:creationId xmlns:a16="http://schemas.microsoft.com/office/drawing/2014/main" id="{508BEF50-7B1E-49A4-BC19-5F4F1D755E64}"/>
+              </a:ext>
+              <a:ext uri="{C183D7F6-B498-43B3-948B-1728B52AA6E4}">
+                <adec:decorative xmlns:adec="http://schemas.microsoft.com/office/drawing/2017/decorative" val="1"/>
+              </a:ext>
+            </a:extLst>
+          </p:cNvPr>
+          <p:cNvSpPr>
+            <a:spLocks noGrp="1" noRot="1" noChangeAspect="1" noMove="1" noResize="1" noEditPoints="1" noAdjustHandles="1" noChangeArrowheads="1" noChangeShapeType="1" noTextEdit="1"/>
+          </p:cNvSpPr>
+          <p:nvPr>
+            <p:extLst>
+              <p:ext uri="{386F3935-93C4-4BCD-93E2-E3B085C9AB24}">
+                <p16:designElem xmlns:p16="http://schemas.microsoft.com/office/powerpoint/2015/main" val="1"/>
+              </p:ext>
+            </p:extLst>
+          </p:nvPr>
+        </p:nvSpPr>
+        <p:spPr>
+          <a:xfrm>
+            <a:off x="1261869" y="2383077"/>
+            <a:ext cx="151536" cy="151536"/>
+          </a:xfrm>
+          <a:custGeom>
+            <a:avLst/>
+            <a:gdLst>
+              <a:gd name="connsiteX0" fmla="*/ 141251 w 151536"/>
+              <a:gd name="connsiteY0" fmla="*/ 65483 h 151536"/>
+              <a:gd name="connsiteX1" fmla="*/ 86053 w 151536"/>
+              <a:gd name="connsiteY1" fmla="*/ 65483 h 151536"/>
+              <a:gd name="connsiteX2" fmla="*/ 86053 w 151536"/>
+              <a:gd name="connsiteY2" fmla="*/ 10285 h 151536"/>
+              <a:gd name="connsiteX3" fmla="*/ 75768 w 151536"/>
+              <a:gd name="connsiteY3" fmla="*/ 0 h 151536"/>
+              <a:gd name="connsiteX4" fmla="*/ 65483 w 151536"/>
+              <a:gd name="connsiteY4" fmla="*/ 10285 h 151536"/>
+              <a:gd name="connsiteX5" fmla="*/ 65483 w 151536"/>
+              <a:gd name="connsiteY5" fmla="*/ 65483 h 151536"/>
+              <a:gd name="connsiteX6" fmla="*/ 10285 w 151536"/>
+              <a:gd name="connsiteY6" fmla="*/ 65483 h 151536"/>
+              <a:gd name="connsiteX7" fmla="*/ 0 w 151536"/>
+              <a:gd name="connsiteY7" fmla="*/ 75768 h 151536"/>
+              <a:gd name="connsiteX8" fmla="*/ 10285 w 151536"/>
+              <a:gd name="connsiteY8" fmla="*/ 86053 h 151536"/>
+              <a:gd name="connsiteX9" fmla="*/ 65483 w 151536"/>
+              <a:gd name="connsiteY9" fmla="*/ 86053 h 151536"/>
+              <a:gd name="connsiteX10" fmla="*/ 65483 w 151536"/>
+              <a:gd name="connsiteY10" fmla="*/ 141251 h 151536"/>
+              <a:gd name="connsiteX11" fmla="*/ 75768 w 151536"/>
+              <a:gd name="connsiteY11" fmla="*/ 151536 h 151536"/>
+              <a:gd name="connsiteX12" fmla="*/ 86053 w 151536"/>
+              <a:gd name="connsiteY12" fmla="*/ 141251 h 151536"/>
+              <a:gd name="connsiteX13" fmla="*/ 86053 w 151536"/>
+              <a:gd name="connsiteY13" fmla="*/ 86053 h 151536"/>
+              <a:gd name="connsiteX14" fmla="*/ 141251 w 151536"/>
+              <a:gd name="connsiteY14" fmla="*/ 86053 h 151536"/>
+              <a:gd name="connsiteX15" fmla="*/ 151536 w 151536"/>
+              <a:gd name="connsiteY15" fmla="*/ 75768 h 151536"/>
+              <a:gd name="connsiteX16" fmla="*/ 141251 w 151536"/>
+              <a:gd name="connsiteY16" fmla="*/ 65483 h 151536"/>
+            </a:gdLst>
+            <a:ahLst/>
+            <a:cxnLst>
+              <a:cxn ang="0">
+                <a:pos x="connsiteX0" y="connsiteY0"/>
+              </a:cxn>
+              <a:cxn ang="0">
+                <a:pos x="connsiteX1" y="connsiteY1"/>
+              </a:cxn>
+              <a:cxn ang="0">
+                <a:pos x="connsiteX2" y="connsiteY2"/>
+              </a:cxn>
+              <a:cxn ang="0">
+                <a:pos x="connsiteX3" y="connsiteY3"/>
+              </a:cxn>
+              <a:cxn ang="0">
+                <a:pos x="connsiteX4" y="connsiteY4"/>
+              </a:cxn>
+              <a:cxn ang="0">
+                <a:pos x="connsiteX5" y="connsiteY5"/>
+              </a:cxn>
+              <a:cxn ang="0">
+                <a:pos x="connsiteX6" y="connsiteY6"/>
+              </a:cxn>
+              <a:cxn ang="0">
+                <a:pos x="connsiteX7" y="connsiteY7"/>
+              </a:cxn>
+              <a:cxn ang="0">
+                <a:pos x="connsiteX8" y="connsiteY8"/>
+              </a:cxn>
+              <a:cxn ang="0">
+                <a:pos x="connsiteX9" y="connsiteY9"/>
+              </a:cxn>
+              <a:cxn ang="0">
+                <a:pos x="connsiteX10" y="connsiteY10"/>
+              </a:cxn>
+              <a:cxn ang="0">
+                <a:pos x="connsiteX11" y="connsiteY11"/>
+              </a:cxn>
+              <a:cxn ang="0">
+                <a:pos x="connsiteX12" y="connsiteY12"/>
+              </a:cxn>
+              <a:cxn ang="0">
+                <a:pos x="connsiteX13" y="connsiteY13"/>
+              </a:cxn>
+              <a:cxn ang="0">
+                <a:pos x="connsiteX14" y="connsiteY14"/>
+              </a:cxn>
+              <a:cxn ang="0">
+                <a:pos x="connsiteX15" y="connsiteY15"/>
+              </a:cxn>
+              <a:cxn ang="0">
+                <a:pos x="connsiteX16" y="connsiteY16"/>
+              </a:cxn>
+            </a:cxnLst>
+            <a:rect l="l" t="t" r="r" b="b"/>
+            <a:pathLst>
+              <a:path w="151536" h="151536">
+                <a:moveTo>
+                  <a:pt x="141251" y="65483"/>
+                </a:moveTo>
+                <a:lnTo>
+                  <a:pt x="86053" y="65483"/>
+                </a:lnTo>
+                <a:lnTo>
+                  <a:pt x="86053" y="10285"/>
+                </a:lnTo>
+                <a:cubicBezTo>
+                  <a:pt x="86053" y="4605"/>
+                  <a:pt x="81448" y="0"/>
+                  <a:pt x="75768" y="0"/>
+                </a:cubicBezTo>
+                <a:cubicBezTo>
+                  <a:pt x="70088" y="0"/>
+                  <a:pt x="65483" y="4605"/>
+                  <a:pt x="65483" y="10285"/>
+                </a:cubicBezTo>
+                <a:lnTo>
+                  <a:pt x="65483" y="65483"/>
+                </a:lnTo>
+                <a:lnTo>
+                  <a:pt x="10285" y="65483"/>
+                </a:lnTo>
+                <a:cubicBezTo>
+                  <a:pt x="4605" y="65483"/>
+                  <a:pt x="0" y="70088"/>
+                  <a:pt x="0" y="75768"/>
+                </a:cubicBezTo>
+                <a:cubicBezTo>
+                  <a:pt x="0" y="81448"/>
+                  <a:pt x="4605" y="86053"/>
+                  <a:pt x="10285" y="86053"/>
+                </a:cubicBezTo>
+                <a:lnTo>
+                  <a:pt x="65483" y="86053"/>
+                </a:lnTo>
+                <a:lnTo>
+                  <a:pt x="65483" y="141251"/>
+                </a:lnTo>
+                <a:cubicBezTo>
+                  <a:pt x="65483" y="146931"/>
+                  <a:pt x="70088" y="151536"/>
+                  <a:pt x="75768" y="151536"/>
+                </a:cubicBezTo>
+                <a:cubicBezTo>
+                  <a:pt x="81448" y="151536"/>
+                  <a:pt x="86053" y="146931"/>
+                  <a:pt x="86053" y="141251"/>
+                </a:cubicBezTo>
+                <a:lnTo>
+                  <a:pt x="86053" y="86053"/>
+                </a:lnTo>
+                <a:lnTo>
+                  <a:pt x="141251" y="86053"/>
+                </a:lnTo>
+                <a:cubicBezTo>
+                  <a:pt x="146931" y="86053"/>
+                  <a:pt x="151536" y="81448"/>
+                  <a:pt x="151536" y="75768"/>
+                </a:cubicBezTo>
+                <a:cubicBezTo>
+                  <a:pt x="151536" y="70088"/>
+                  <a:pt x="146931" y="65483"/>
+                  <a:pt x="141251" y="65483"/>
+                </a:cubicBezTo>
+                <a:close/>
+              </a:path>
+            </a:pathLst>
+          </a:custGeom>
+          <a:solidFill>
+            <a:schemeClr val="bg1"/>
+          </a:solidFill>
+          <a:ln w="646" cap="flat">
+            <a:noFill/>
+            <a:prstDash val="solid"/>
+            <a:miter/>
+          </a:ln>
+        </p:spPr>
+        <p:txBody>
+          <a:bodyPr rtlCol="0" anchor="ctr"/>
+          <a:lstStyle/>
+          <a:p>
+            <a:endParaRPr lang="en-US"/>
+          </a:p>
+        </p:txBody>
+      </p:sp>
+      <p:sp>
+        <p:nvSpPr>
+          <p:cNvPr id="18" name="Graphic 13">
+            <a:extLst>
+              <a:ext uri="{FF2B5EF4-FFF2-40B4-BE49-F238E27FC236}">
+                <a16:creationId xmlns:a16="http://schemas.microsoft.com/office/drawing/2014/main" id="{C5CB530E-515E-412C-9DF1-5F8FFBD6F383}"/>
+              </a:ext>
+              <a:ext uri="{C183D7F6-B498-43B3-948B-1728B52AA6E4}">
+                <adec:decorative xmlns:adec="http://schemas.microsoft.com/office/drawing/2017/decorative" val="1"/>
+              </a:ext>
+            </a:extLst>
+          </p:cNvPr>
+          <p:cNvSpPr>
+            <a:spLocks noGrp="1" noRot="1" noChangeAspect="1" noMove="1" noResize="1" noEditPoints="1" noAdjustHandles="1" noChangeArrowheads="1" noChangeShapeType="1" noTextEdit="1"/>
+          </p:cNvSpPr>
+          <p:nvPr>
+            <p:extLst>
+              <p:ext uri="{386F3935-93C4-4BCD-93E2-E3B085C9AB24}">
+                <p16:designElem xmlns:p16="http://schemas.microsoft.com/office/powerpoint/2015/main" val="1"/>
+              </p:ext>
+            </p:extLst>
+          </p:nvPr>
+        </p:nvSpPr>
+        <p:spPr>
+          <a:xfrm>
+            <a:off x="10724364" y="2265467"/>
+            <a:ext cx="139039" cy="139039"/>
+          </a:xfrm>
+          <a:custGeom>
+            <a:avLst/>
+            <a:gdLst>
+              <a:gd name="connsiteX0" fmla="*/ 129602 w 139039"/>
+              <a:gd name="connsiteY0" fmla="*/ 60082 h 139039"/>
+              <a:gd name="connsiteX1" fmla="*/ 78957 w 139039"/>
+              <a:gd name="connsiteY1" fmla="*/ 60082 h 139039"/>
+              <a:gd name="connsiteX2" fmla="*/ 78957 w 139039"/>
+              <a:gd name="connsiteY2" fmla="*/ 9437 h 139039"/>
+              <a:gd name="connsiteX3" fmla="*/ 69520 w 139039"/>
+              <a:gd name="connsiteY3" fmla="*/ 0 h 139039"/>
+              <a:gd name="connsiteX4" fmla="*/ 60082 w 139039"/>
+              <a:gd name="connsiteY4" fmla="*/ 9437 h 139039"/>
+              <a:gd name="connsiteX5" fmla="*/ 60082 w 139039"/>
+              <a:gd name="connsiteY5" fmla="*/ 60082 h 139039"/>
+              <a:gd name="connsiteX6" fmla="*/ 9437 w 139039"/>
+              <a:gd name="connsiteY6" fmla="*/ 60082 h 139039"/>
+              <a:gd name="connsiteX7" fmla="*/ 0 w 139039"/>
+              <a:gd name="connsiteY7" fmla="*/ 69520 h 139039"/>
+              <a:gd name="connsiteX8" fmla="*/ 9437 w 139039"/>
+              <a:gd name="connsiteY8" fmla="*/ 78957 h 139039"/>
+              <a:gd name="connsiteX9" fmla="*/ 60082 w 139039"/>
+              <a:gd name="connsiteY9" fmla="*/ 78957 h 139039"/>
+              <a:gd name="connsiteX10" fmla="*/ 60082 w 139039"/>
+              <a:gd name="connsiteY10" fmla="*/ 129602 h 139039"/>
+              <a:gd name="connsiteX11" fmla="*/ 69520 w 139039"/>
+              <a:gd name="connsiteY11" fmla="*/ 139039 h 139039"/>
+              <a:gd name="connsiteX12" fmla="*/ 78957 w 139039"/>
+              <a:gd name="connsiteY12" fmla="*/ 129602 h 139039"/>
+              <a:gd name="connsiteX13" fmla="*/ 78957 w 139039"/>
+              <a:gd name="connsiteY13" fmla="*/ 78957 h 139039"/>
+              <a:gd name="connsiteX14" fmla="*/ 129602 w 139039"/>
+              <a:gd name="connsiteY14" fmla="*/ 78957 h 139039"/>
+              <a:gd name="connsiteX15" fmla="*/ 139039 w 139039"/>
+              <a:gd name="connsiteY15" fmla="*/ 69520 h 139039"/>
+              <a:gd name="connsiteX16" fmla="*/ 129602 w 139039"/>
+              <a:gd name="connsiteY16" fmla="*/ 60082 h 139039"/>
+            </a:gdLst>
+            <a:ahLst/>
+            <a:cxnLst>
+              <a:cxn ang="0">
+                <a:pos x="connsiteX0" y="connsiteY0"/>
+              </a:cxn>
+              <a:cxn ang="0">
+                <a:pos x="connsiteX1" y="connsiteY1"/>
+              </a:cxn>
+              <a:cxn ang="0">
+                <a:pos x="connsiteX2" y="connsiteY2"/>
+              </a:cxn>
+              <a:cxn ang="0">
+                <a:pos x="connsiteX3" y="connsiteY3"/>
+              </a:cxn>
+              <a:cxn ang="0">
+                <a:pos x="connsiteX4" y="connsiteY4"/>
+              </a:cxn>
+              <a:cxn ang="0">
+                <a:pos x="connsiteX5" y="connsiteY5"/>
+              </a:cxn>
+              <a:cxn ang="0">
+                <a:pos x="connsiteX6" y="connsiteY6"/>
+              </a:cxn>
+              <a:cxn ang="0">
+                <a:pos x="connsiteX7" y="connsiteY7"/>
+              </a:cxn>
+              <a:cxn ang="0">
+                <a:pos x="connsiteX8" y="connsiteY8"/>
+              </a:cxn>
+              <a:cxn ang="0">
+                <a:pos x="connsiteX9" y="connsiteY9"/>
+              </a:cxn>
+              <a:cxn ang="0">
+                <a:pos x="connsiteX10" y="connsiteY10"/>
+              </a:cxn>
+              <a:cxn ang="0">
+                <a:pos x="connsiteX11" y="connsiteY11"/>
+              </a:cxn>
+              <a:cxn ang="0">
+                <a:pos x="connsiteX12" y="connsiteY12"/>
+              </a:cxn>
+              <a:cxn ang="0">
+                <a:pos x="connsiteX13" y="connsiteY13"/>
+              </a:cxn>
+              <a:cxn ang="0">
+                <a:pos x="connsiteX14" y="connsiteY14"/>
+              </a:cxn>
+              <a:cxn ang="0">
+                <a:pos x="connsiteX15" y="connsiteY15"/>
+              </a:cxn>
+              <a:cxn ang="0">
+                <a:pos x="connsiteX16" y="connsiteY16"/>
+              </a:cxn>
+            </a:cxnLst>
+            <a:rect l="l" t="t" r="r" b="b"/>
+            <a:pathLst>
+              <a:path w="139039" h="139039">
+                <a:moveTo>
+                  <a:pt x="129602" y="60082"/>
+                </a:moveTo>
+                <a:lnTo>
+                  <a:pt x="78957" y="60082"/>
+                </a:lnTo>
+                <a:lnTo>
+                  <a:pt x="78957" y="9437"/>
+                </a:lnTo>
+                <a:cubicBezTo>
+                  <a:pt x="78957" y="4225"/>
+                  <a:pt x="74731" y="0"/>
+                  <a:pt x="69520" y="0"/>
+                </a:cubicBezTo>
+                <a:cubicBezTo>
+                  <a:pt x="64308" y="0"/>
+                  <a:pt x="60082" y="4225"/>
+                  <a:pt x="60082" y="9437"/>
+                </a:cubicBezTo>
+                <a:lnTo>
+                  <a:pt x="60082" y="60082"/>
+                </a:lnTo>
+                <a:lnTo>
+                  <a:pt x="9437" y="60082"/>
+                </a:lnTo>
+                <a:cubicBezTo>
+                  <a:pt x="4225" y="60082"/>
+                  <a:pt x="0" y="64308"/>
+                  <a:pt x="0" y="69520"/>
+                </a:cubicBezTo>
+                <a:cubicBezTo>
+                  <a:pt x="0" y="74731"/>
+                  <a:pt x="4225" y="78957"/>
+                  <a:pt x="9437" y="78957"/>
+                </a:cubicBezTo>
+                <a:lnTo>
+                  <a:pt x="60082" y="78957"/>
+                </a:lnTo>
+                <a:lnTo>
+                  <a:pt x="60082" y="129602"/>
+                </a:lnTo>
+                <a:cubicBezTo>
+                  <a:pt x="60082" y="134814"/>
+                  <a:pt x="64308" y="139039"/>
+                  <a:pt x="69520" y="139039"/>
+                </a:cubicBezTo>
+                <a:cubicBezTo>
+                  <a:pt x="74731" y="139039"/>
+                  <a:pt x="78957" y="134814"/>
+                  <a:pt x="78957" y="129602"/>
+                </a:cubicBezTo>
+                <a:lnTo>
+                  <a:pt x="78957" y="78957"/>
+                </a:lnTo>
+                <a:lnTo>
+                  <a:pt x="129602" y="78957"/>
+                </a:lnTo>
+                <a:cubicBezTo>
+                  <a:pt x="134814" y="78957"/>
+                  <a:pt x="139039" y="74731"/>
+                  <a:pt x="139039" y="69520"/>
+                </a:cubicBezTo>
+                <a:cubicBezTo>
+                  <a:pt x="139039" y="64308"/>
+                  <a:pt x="134814" y="60082"/>
+                  <a:pt x="129602" y="60082"/>
+                </a:cubicBezTo>
+                <a:close/>
+              </a:path>
+            </a:pathLst>
+          </a:custGeom>
+          <a:solidFill>
+            <a:schemeClr val="bg1"/>
+          </a:solidFill>
+          <a:ln w="603" cap="flat">
+            <a:noFill/>
+            <a:prstDash val="solid"/>
+            <a:miter/>
+          </a:ln>
+        </p:spPr>
+        <p:txBody>
+          <a:bodyPr rtlCol="0" anchor="ctr"/>
+          <a:lstStyle/>
+          <a:p>
+            <a:endParaRPr lang="en-US"/>
+          </a:p>
+        </p:txBody>
+      </p:sp>
+      <p:sp>
+        <p:nvSpPr>
+          <p:cNvPr id="20" name="Graphic 15">
+            <a:extLst>
+              <a:ext uri="{FF2B5EF4-FFF2-40B4-BE49-F238E27FC236}">
+                <a16:creationId xmlns:a16="http://schemas.microsoft.com/office/drawing/2014/main" id="{AEA7509D-F04F-40CB-A0B3-EEF16499CC9F}"/>
+              </a:ext>
+              <a:ext uri="{C183D7F6-B498-43B3-948B-1728B52AA6E4}">
+                <adec:decorative xmlns:adec="http://schemas.microsoft.com/office/drawing/2017/decorative" val="1"/>
+              </a:ext>
+            </a:extLst>
+          </p:cNvPr>
+          <p:cNvSpPr>
+            <a:spLocks noGrp="1" noRot="1" noChangeAspect="1" noMove="1" noResize="1" noEditPoints="1" noAdjustHandles="1" noChangeArrowheads="1" noChangeShapeType="1" noTextEdit="1"/>
+          </p:cNvSpPr>
+          <p:nvPr>
+            <p:extLst>
+              <p:ext uri="{386F3935-93C4-4BCD-93E2-E3B085C9AB24}">
+                <p16:designElem xmlns:p16="http://schemas.microsoft.com/office/powerpoint/2015/main" val="1"/>
+              </p:ext>
+            </p:extLst>
+          </p:nvPr>
+        </p:nvSpPr>
+        <p:spPr>
+          <a:xfrm>
+            <a:off x="11024834" y="2537201"/>
+            <a:ext cx="127714" cy="127714"/>
+          </a:xfrm>
+          <a:custGeom>
+            <a:avLst/>
+            <a:gdLst>
+              <a:gd name="connsiteX0" fmla="*/ 63857 w 127714"/>
+              <a:gd name="connsiteY0" fmla="*/ 18874 h 127714"/>
+              <a:gd name="connsiteX1" fmla="*/ 108840 w 127714"/>
+              <a:gd name="connsiteY1" fmla="*/ 63857 h 127714"/>
+              <a:gd name="connsiteX2" fmla="*/ 63857 w 127714"/>
+              <a:gd name="connsiteY2" fmla="*/ 108840 h 127714"/>
+              <a:gd name="connsiteX3" fmla="*/ 18874 w 127714"/>
+              <a:gd name="connsiteY3" fmla="*/ 63857 h 127714"/>
+              <a:gd name="connsiteX4" fmla="*/ 63857 w 127714"/>
+              <a:gd name="connsiteY4" fmla="*/ 18874 h 127714"/>
+              <a:gd name="connsiteX5" fmla="*/ 63857 w 127714"/>
+              <a:gd name="connsiteY5" fmla="*/ 0 h 127714"/>
+              <a:gd name="connsiteX6" fmla="*/ 0 w 127714"/>
+              <a:gd name="connsiteY6" fmla="*/ 63857 h 127714"/>
+              <a:gd name="connsiteX7" fmla="*/ 63857 w 127714"/>
+              <a:gd name="connsiteY7" fmla="*/ 127714 h 127714"/>
+              <a:gd name="connsiteX8" fmla="*/ 127714 w 127714"/>
+              <a:gd name="connsiteY8" fmla="*/ 63857 h 127714"/>
+              <a:gd name="connsiteX9" fmla="*/ 63857 w 127714"/>
+              <a:gd name="connsiteY9" fmla="*/ 0 h 127714"/>
+            </a:gdLst>
+            <a:ahLst/>
+            <a:cxnLst>
+              <a:cxn ang="0">
+                <a:pos x="connsiteX0" y="connsiteY0"/>
+              </a:cxn>
+              <a:cxn ang="0">
+                <a:pos x="connsiteX1" y="connsiteY1"/>
+              </a:cxn>
+              <a:cxn ang="0">
+                <a:pos x="connsiteX2" y="connsiteY2"/>
+              </a:cxn>
+              <a:cxn ang="0">
+                <a:pos x="connsiteX3" y="connsiteY3"/>
+              </a:cxn>
+              <a:cxn ang="0">
+                <a:pos x="connsiteX4" y="connsiteY4"/>
+              </a:cxn>
+              <a:cxn ang="0">
+                <a:pos x="connsiteX5" y="connsiteY5"/>
+              </a:cxn>
+              <a:cxn ang="0">
+                <a:pos x="connsiteX6" y="connsiteY6"/>
+              </a:cxn>
+              <a:cxn ang="0">
+                <a:pos x="connsiteX7" y="connsiteY7"/>
+              </a:cxn>
+              <a:cxn ang="0">
+                <a:pos x="connsiteX8" y="connsiteY8"/>
+              </a:cxn>
+              <a:cxn ang="0">
+                <a:pos x="connsiteX9" y="connsiteY9"/>
+              </a:cxn>
+            </a:cxnLst>
+            <a:rect l="l" t="t" r="r" b="b"/>
+            <a:pathLst>
+              <a:path w="127714" h="127714">
+                <a:moveTo>
+                  <a:pt x="63857" y="18874"/>
+                </a:moveTo>
+                <a:cubicBezTo>
+                  <a:pt x="88700" y="18874"/>
+                  <a:pt x="108840" y="39014"/>
+                  <a:pt x="108840" y="63857"/>
+                </a:cubicBezTo>
+                <a:cubicBezTo>
+                  <a:pt x="108840" y="88700"/>
+                  <a:pt x="88700" y="108840"/>
+                  <a:pt x="63857" y="108840"/>
+                </a:cubicBezTo>
+                <a:cubicBezTo>
+                  <a:pt x="39014" y="108840"/>
+                  <a:pt x="18874" y="88700"/>
+                  <a:pt x="18874" y="63857"/>
+                </a:cubicBezTo>
+                <a:cubicBezTo>
+                  <a:pt x="18898" y="39024"/>
+                  <a:pt x="39024" y="18898"/>
+                  <a:pt x="63857" y="18874"/>
+                </a:cubicBezTo>
+                <a:moveTo>
+                  <a:pt x="63857" y="0"/>
+                </a:moveTo>
+                <a:cubicBezTo>
+                  <a:pt x="28590" y="0"/>
+                  <a:pt x="0" y="28590"/>
+                  <a:pt x="0" y="63857"/>
+                </a:cubicBezTo>
+                <a:cubicBezTo>
+                  <a:pt x="0" y="99124"/>
+                  <a:pt x="28590" y="127714"/>
+                  <a:pt x="63857" y="127714"/>
+                </a:cubicBezTo>
+                <a:cubicBezTo>
+                  <a:pt x="99124" y="127714"/>
+                  <a:pt x="127714" y="99124"/>
+                  <a:pt x="127714" y="63857"/>
+                </a:cubicBezTo>
+                <a:cubicBezTo>
+                  <a:pt x="127714" y="28590"/>
+                  <a:pt x="99124" y="0"/>
+                  <a:pt x="63857" y="0"/>
+                </a:cubicBezTo>
+                <a:close/>
+              </a:path>
+            </a:pathLst>
+          </a:custGeom>
+          <a:solidFill>
+            <a:schemeClr val="bg1"/>
+          </a:solidFill>
+          <a:ln w="610" cap="flat">
+            <a:noFill/>
+            <a:prstDash val="solid"/>
+            <a:miter/>
+          </a:ln>
+        </p:spPr>
+        <p:txBody>
+          <a:bodyPr rtlCol="0" anchor="ctr"/>
+          <a:lstStyle/>
+          <a:p>
+            <a:endParaRPr lang="en-US"/>
+          </a:p>
+        </p:txBody>
+      </p:sp>
+      <p:sp>
+        <p:nvSpPr>
+          <p:cNvPr id="22" name="Graphic 21">
+            <a:extLst>
+              <a:ext uri="{FF2B5EF4-FFF2-40B4-BE49-F238E27FC236}">
+                <a16:creationId xmlns:a16="http://schemas.microsoft.com/office/drawing/2014/main" id="{C39ADB8F-D187-49D7-BDCF-C1B6DC727068}"/>
+              </a:ext>
+              <a:ext uri="{C183D7F6-B498-43B3-948B-1728B52AA6E4}">
+                <adec:decorative xmlns:adec="http://schemas.microsoft.com/office/drawing/2017/decorative" val="1"/>
+              </a:ext>
+            </a:extLst>
+          </p:cNvPr>
+          <p:cNvSpPr>
+            <a:spLocks noGrp="1" noRot="1" noChangeAspect="1" noMove="1" noResize="1" noEditPoints="1" noAdjustHandles="1" noChangeArrowheads="1" noChangeShapeType="1" noTextEdit="1"/>
+          </p:cNvSpPr>
+          <p:nvPr>
+            <p:extLst>
+              <p:ext uri="{386F3935-93C4-4BCD-93E2-E3B085C9AB24}">
+                <p16:designElem xmlns:p16="http://schemas.microsoft.com/office/powerpoint/2015/main" val="1"/>
+              </p:ext>
+            </p:extLst>
+          </p:nvPr>
+        </p:nvSpPr>
+        <p:spPr>
+          <a:xfrm>
+            <a:off x="1064053" y="2832967"/>
+            <a:ext cx="95759" cy="95759"/>
+          </a:xfrm>
+          <a:custGeom>
+            <a:avLst/>
+            <a:gdLst>
+              <a:gd name="connsiteX0" fmla="*/ 95759 w 95759"/>
+              <a:gd name="connsiteY0" fmla="*/ 47880 h 95759"/>
+              <a:gd name="connsiteX1" fmla="*/ 47880 w 95759"/>
+              <a:gd name="connsiteY1" fmla="*/ 95759 h 95759"/>
+              <a:gd name="connsiteX2" fmla="*/ 0 w 95759"/>
+              <a:gd name="connsiteY2" fmla="*/ 47880 h 95759"/>
+              <a:gd name="connsiteX3" fmla="*/ 47880 w 95759"/>
+              <a:gd name="connsiteY3" fmla="*/ 0 h 95759"/>
+              <a:gd name="connsiteX4" fmla="*/ 95759 w 95759"/>
+              <a:gd name="connsiteY4" fmla="*/ 47880 h 95759"/>
+            </a:gdLst>
+            <a:ahLst/>
+            <a:cxnLst>
+              <a:cxn ang="0">
+                <a:pos x="connsiteX0" y="connsiteY0"/>
+              </a:cxn>
+              <a:cxn ang="0">
+                <a:pos x="connsiteX1" y="connsiteY1"/>
+              </a:cxn>
+              <a:cxn ang="0">
+                <a:pos x="connsiteX2" y="connsiteY2"/>
+              </a:cxn>
+              <a:cxn ang="0">
+                <a:pos x="connsiteX3" y="connsiteY3"/>
+              </a:cxn>
+              <a:cxn ang="0">
+                <a:pos x="connsiteX4" y="connsiteY4"/>
+              </a:cxn>
+            </a:cxnLst>
+            <a:rect l="l" t="t" r="r" b="b"/>
+            <a:pathLst>
+              <a:path w="95759" h="95759">
+                <a:moveTo>
+                  <a:pt x="95759" y="47880"/>
+                </a:moveTo>
+                <a:cubicBezTo>
+                  <a:pt x="95759" y="74323"/>
+                  <a:pt x="74323" y="95759"/>
+                  <a:pt x="47880" y="95759"/>
+                </a:cubicBezTo>
+                <a:cubicBezTo>
+                  <a:pt x="21436" y="95759"/>
+                  <a:pt x="0" y="74323"/>
+                  <a:pt x="0" y="47880"/>
+                </a:cubicBezTo>
+                <a:cubicBezTo>
+                  <a:pt x="0" y="21436"/>
+                  <a:pt x="21436" y="0"/>
+                  <a:pt x="47880" y="0"/>
+                </a:cubicBezTo>
+                <a:cubicBezTo>
+                  <a:pt x="74323" y="0"/>
+                  <a:pt x="95759" y="21436"/>
+                  <a:pt x="95759" y="47880"/>
+                </a:cubicBezTo>
+                <a:close/>
+              </a:path>
+            </a:pathLst>
+          </a:custGeom>
+          <a:solidFill>
+            <a:schemeClr val="bg1"/>
+          </a:solidFill>
+          <a:ln w="469" cap="flat">
+            <a:noFill/>
+            <a:prstDash val="solid"/>
+            <a:miter/>
+          </a:ln>
+        </p:spPr>
+        <p:txBody>
+          <a:bodyPr rtlCol="0" anchor="ctr"/>
+          <a:lstStyle/>
+          <a:p>
+            <a:endParaRPr lang="en-US"/>
+          </a:p>
+        </p:txBody>
+      </p:sp>
+      <p:sp>
+        <p:nvSpPr>
+          <p:cNvPr id="24" name="Graphic 12">
+            <a:extLst>
+              <a:ext uri="{FF2B5EF4-FFF2-40B4-BE49-F238E27FC236}">
+                <a16:creationId xmlns:a16="http://schemas.microsoft.com/office/drawing/2014/main" id="{712D4376-A578-4FF1-94FC-245E7A6A489F}"/>
+              </a:ext>
+              <a:ext uri="{C183D7F6-B498-43B3-948B-1728B52AA6E4}">
+                <adec:decorative xmlns:adec="http://schemas.microsoft.com/office/drawing/2017/decorative" val="1"/>
+              </a:ext>
+            </a:extLst>
+          </p:cNvPr>
+          <p:cNvSpPr>
+            <a:spLocks noGrp="1" noRot="1" noChangeAspect="1" noMove="1" noResize="1" noEditPoints="1" noAdjustHandles="1" noChangeArrowheads="1" noChangeShapeType="1" noTextEdit="1"/>
+          </p:cNvSpPr>
+          <p:nvPr>
+            <p:extLst>
+              <p:ext uri="{386F3935-93C4-4BCD-93E2-E3B085C9AB24}">
+                <p16:designElem xmlns:p16="http://schemas.microsoft.com/office/powerpoint/2015/main" val="1"/>
+              </p:ext>
+            </p:extLst>
+          </p:nvPr>
+        </p:nvSpPr>
+        <p:spPr>
+          <a:xfrm>
+            <a:off x="10772266" y="2803988"/>
+            <a:ext cx="91138" cy="91138"/>
+          </a:xfrm>
+          <a:custGeom>
+            <a:avLst/>
+            <a:gdLst>
+              <a:gd name="connsiteX0" fmla="*/ 91138 w 91138"/>
+              <a:gd name="connsiteY0" fmla="*/ 45569 h 91138"/>
+              <a:gd name="connsiteX1" fmla="*/ 45569 w 91138"/>
+              <a:gd name="connsiteY1" fmla="*/ 91138 h 91138"/>
+              <a:gd name="connsiteX2" fmla="*/ 0 w 91138"/>
+              <a:gd name="connsiteY2" fmla="*/ 45569 h 91138"/>
+              <a:gd name="connsiteX3" fmla="*/ 45569 w 91138"/>
+              <a:gd name="connsiteY3" fmla="*/ 0 h 91138"/>
+              <a:gd name="connsiteX4" fmla="*/ 91138 w 91138"/>
+              <a:gd name="connsiteY4" fmla="*/ 45569 h 91138"/>
+            </a:gdLst>
+            <a:ahLst/>
+            <a:cxnLst>
+              <a:cxn ang="0">
+                <a:pos x="connsiteX0" y="connsiteY0"/>
+              </a:cxn>
+              <a:cxn ang="0">
+                <a:pos x="connsiteX1" y="connsiteY1"/>
+              </a:cxn>
+              <a:cxn ang="0">
+                <a:pos x="connsiteX2" y="connsiteY2"/>
+              </a:cxn>
+              <a:cxn ang="0">
+                <a:pos x="connsiteX3" y="connsiteY3"/>
+              </a:cxn>
+              <a:cxn ang="0">
+                <a:pos x="connsiteX4" y="connsiteY4"/>
+              </a:cxn>
+            </a:cxnLst>
+            <a:rect l="l" t="t" r="r" b="b"/>
+            <a:pathLst>
+              <a:path w="91138" h="91138">
+                <a:moveTo>
+                  <a:pt x="91138" y="45569"/>
+                </a:moveTo>
+                <a:cubicBezTo>
+                  <a:pt x="91138" y="70736"/>
+                  <a:pt x="70736" y="91138"/>
+                  <a:pt x="45569" y="91138"/>
+                </a:cubicBezTo>
+                <a:cubicBezTo>
+                  <a:pt x="20402" y="91138"/>
+                  <a:pt x="0" y="70736"/>
+                  <a:pt x="0" y="45569"/>
+                </a:cubicBezTo>
+                <a:cubicBezTo>
+                  <a:pt x="0" y="20402"/>
+                  <a:pt x="20402" y="0"/>
+                  <a:pt x="45569" y="0"/>
+                </a:cubicBezTo>
+                <a:cubicBezTo>
+                  <a:pt x="70736" y="0"/>
+                  <a:pt x="91138" y="20402"/>
+                  <a:pt x="91138" y="45569"/>
+                </a:cubicBezTo>
+                <a:close/>
+              </a:path>
+            </a:pathLst>
+          </a:custGeom>
+          <a:solidFill>
+            <a:schemeClr val="bg1"/>
+          </a:solidFill>
+          <a:ln w="422" cap="flat">
+            <a:noFill/>
+            <a:prstDash val="solid"/>
+            <a:miter/>
+          </a:ln>
+        </p:spPr>
+        <p:txBody>
+          <a:bodyPr rtlCol="0" anchor="ctr"/>
+          <a:lstStyle/>
+          <a:p>
+            <a:endParaRPr lang="en-US"/>
+          </a:p>
+        </p:txBody>
+      </p:sp>
+      <p:sp>
+        <p:nvSpPr>
+          <p:cNvPr id="26" name="Graphic 23">
+            <a:extLst>
+              <a:ext uri="{FF2B5EF4-FFF2-40B4-BE49-F238E27FC236}">
+                <a16:creationId xmlns:a16="http://schemas.microsoft.com/office/drawing/2014/main" id="{3FBAD350-5664-4811-A208-657FB882D350}"/>
+              </a:ext>
+              <a:ext uri="{C183D7F6-B498-43B3-948B-1728B52AA6E4}">
+                <adec:decorative xmlns:adec="http://schemas.microsoft.com/office/drawing/2017/decorative" val="1"/>
+              </a:ext>
+            </a:extLst>
+          </p:cNvPr>
+          <p:cNvSpPr>
+            <a:spLocks noGrp="1" noRot="1" noChangeAspect="1" noMove="1" noResize="1" noEditPoints="1" noAdjustHandles="1" noChangeArrowheads="1" noChangeShapeType="1" noTextEdit="1"/>
+          </p:cNvSpPr>
+          <p:nvPr>
+            <p:extLst>
+              <p:ext uri="{386F3935-93C4-4BCD-93E2-E3B085C9AB24}">
+                <p16:designElem xmlns:p16="http://schemas.microsoft.com/office/powerpoint/2015/main" val="1"/>
+              </p:ext>
+            </p:extLst>
+          </p:nvPr>
+        </p:nvSpPr>
+        <p:spPr>
+          <a:xfrm>
+            <a:off x="1413405" y="3242499"/>
+            <a:ext cx="108625" cy="108625"/>
+          </a:xfrm>
+          <a:custGeom>
+            <a:avLst/>
+            <a:gdLst>
+              <a:gd name="connsiteX0" fmla="*/ 54313 w 108625"/>
+              <a:gd name="connsiteY0" fmla="*/ 16053 h 108625"/>
+              <a:gd name="connsiteX1" fmla="*/ 92572 w 108625"/>
+              <a:gd name="connsiteY1" fmla="*/ 54313 h 108625"/>
+              <a:gd name="connsiteX2" fmla="*/ 54313 w 108625"/>
+              <a:gd name="connsiteY2" fmla="*/ 92572 h 108625"/>
+              <a:gd name="connsiteX3" fmla="*/ 16053 w 108625"/>
+              <a:gd name="connsiteY3" fmla="*/ 54313 h 108625"/>
+              <a:gd name="connsiteX4" fmla="*/ 54313 w 108625"/>
+              <a:gd name="connsiteY4" fmla="*/ 16053 h 108625"/>
+              <a:gd name="connsiteX5" fmla="*/ 54313 w 108625"/>
+              <a:gd name="connsiteY5" fmla="*/ 0 h 108625"/>
+              <a:gd name="connsiteX6" fmla="*/ 0 w 108625"/>
+              <a:gd name="connsiteY6" fmla="*/ 54313 h 108625"/>
+              <a:gd name="connsiteX7" fmla="*/ 54313 w 108625"/>
+              <a:gd name="connsiteY7" fmla="*/ 108625 h 108625"/>
+              <a:gd name="connsiteX8" fmla="*/ 108625 w 108625"/>
+              <a:gd name="connsiteY8" fmla="*/ 54313 h 108625"/>
+              <a:gd name="connsiteX9" fmla="*/ 54313 w 108625"/>
+              <a:gd name="connsiteY9" fmla="*/ 0 h 108625"/>
+            </a:gdLst>
+            <a:ahLst/>
+            <a:cxnLst>
+              <a:cxn ang="0">
+                <a:pos x="connsiteX0" y="connsiteY0"/>
+              </a:cxn>
+              <a:cxn ang="0">
+                <a:pos x="connsiteX1" y="connsiteY1"/>
+              </a:cxn>
+              <a:cxn ang="0">
+                <a:pos x="connsiteX2" y="connsiteY2"/>
+              </a:cxn>
+              <a:cxn ang="0">
+                <a:pos x="connsiteX3" y="connsiteY3"/>
+              </a:cxn>
+              <a:cxn ang="0">
+                <a:pos x="connsiteX4" y="connsiteY4"/>
+              </a:cxn>
+              <a:cxn ang="0">
+                <a:pos x="connsiteX5" y="connsiteY5"/>
+              </a:cxn>
+              <a:cxn ang="0">
+                <a:pos x="connsiteX6" y="connsiteY6"/>
+              </a:cxn>
+              <a:cxn ang="0">
+                <a:pos x="connsiteX7" y="connsiteY7"/>
+              </a:cxn>
+              <a:cxn ang="0">
+                <a:pos x="connsiteX8" y="connsiteY8"/>
+              </a:cxn>
+              <a:cxn ang="0">
+                <a:pos x="connsiteX9" y="connsiteY9"/>
+              </a:cxn>
+            </a:cxnLst>
+            <a:rect l="l" t="t" r="r" b="b"/>
+            <a:pathLst>
+              <a:path w="108625" h="108625">
+                <a:moveTo>
+                  <a:pt x="54313" y="16053"/>
+                </a:moveTo>
+                <a:cubicBezTo>
+                  <a:pt x="75442" y="16053"/>
+                  <a:pt x="92572" y="33182"/>
+                  <a:pt x="92572" y="54313"/>
+                </a:cubicBezTo>
+                <a:cubicBezTo>
+                  <a:pt x="92572" y="75442"/>
+                  <a:pt x="75442" y="92572"/>
+                  <a:pt x="54313" y="92572"/>
+                </a:cubicBezTo>
+                <a:cubicBezTo>
+                  <a:pt x="33182" y="92572"/>
+                  <a:pt x="16053" y="75442"/>
+                  <a:pt x="16053" y="54313"/>
+                </a:cubicBezTo>
+                <a:cubicBezTo>
+                  <a:pt x="16074" y="33191"/>
+                  <a:pt x="33191" y="16074"/>
+                  <a:pt x="54313" y="16053"/>
+                </a:cubicBezTo>
+                <a:moveTo>
+                  <a:pt x="54313" y="0"/>
+                </a:moveTo>
+                <a:cubicBezTo>
+                  <a:pt x="24317" y="0"/>
+                  <a:pt x="0" y="24317"/>
+                  <a:pt x="0" y="54313"/>
+                </a:cubicBezTo>
+                <a:cubicBezTo>
+                  <a:pt x="0" y="84309"/>
+                  <a:pt x="24317" y="108625"/>
+                  <a:pt x="54313" y="108625"/>
+                </a:cubicBezTo>
+                <a:cubicBezTo>
+                  <a:pt x="84309" y="108625"/>
+                  <a:pt x="108625" y="84309"/>
+                  <a:pt x="108625" y="54313"/>
+                </a:cubicBezTo>
+                <a:cubicBezTo>
+                  <a:pt x="108625" y="24317"/>
+                  <a:pt x="84309" y="0"/>
+                  <a:pt x="54313" y="0"/>
+                </a:cubicBezTo>
+                <a:close/>
+              </a:path>
+            </a:pathLst>
+          </a:custGeom>
+          <a:solidFill>
+            <a:schemeClr val="bg1"/>
+          </a:solidFill>
+          <a:ln w="516" cap="flat">
+            <a:noFill/>
+            <a:prstDash val="solid"/>
+            <a:miter/>
+          </a:ln>
+        </p:spPr>
+        <p:txBody>
+          <a:bodyPr rtlCol="0" anchor="ctr"/>
+          <a:lstStyle/>
+          <a:p>
+            <a:endParaRPr lang="en-US"/>
+          </a:p>
+        </p:txBody>
+      </p:sp>
+      <p:cxnSp>
+        <p:nvCxnSpPr>
+          <p:cNvPr id="28" name="Straight Connector 27">
+            <a:extLst>
+              <a:ext uri="{FF2B5EF4-FFF2-40B4-BE49-F238E27FC236}">
+                <a16:creationId xmlns:a16="http://schemas.microsoft.com/office/drawing/2014/main" id="{56020367-4FD5-4596-8E10-C5F095CD8DBF}"/>
+              </a:ext>
+              <a:ext uri="{C183D7F6-B498-43B3-948B-1728B52AA6E4}">
+                <adec:decorative xmlns:adec="http://schemas.microsoft.com/office/drawing/2017/decorative" val="1"/>
+              </a:ext>
+            </a:extLst>
+          </p:cNvPr>
+          <p:cNvCxnSpPr>
+            <a:cxnSpLocks noGrp="1" noRot="1" noChangeAspect="1" noMove="1" noResize="1" noEditPoints="1" noAdjustHandles="1" noChangeArrowheads="1" noChangeShapeType="1"/>
+          </p:cNvCxnSpPr>
+          <p:nvPr>
+            <p:extLst>
+              <p:ext uri="{386F3935-93C4-4BCD-93E2-E3B085C9AB24}">
+                <p16:designElem xmlns:p16="http://schemas.microsoft.com/office/powerpoint/2015/main" val="1"/>
+              </p:ext>
+            </p:extLst>
+          </p:nvPr>
+        </p:nvCxnSpPr>
+        <p:spPr>
+          <a:xfrm>
+            <a:off x="0" y="5831729"/>
+            <a:ext cx="12188952" cy="0"/>
+          </a:xfrm>
+          <a:prstGeom prst="line">
+            <a:avLst/>
+          </a:prstGeom>
+          <a:ln w="25400" cap="sq">
+            <a:solidFill>
+              <a:schemeClr val="bg1"/>
+            </a:solidFill>
+            <a:bevel/>
+          </a:ln>
+        </p:spPr>
+        <p:style>
+          <a:lnRef idx="1">
+            <a:schemeClr val="accent1"/>
+          </a:lnRef>
+          <a:fillRef idx="0">
+            <a:schemeClr val="accent1"/>
+          </a:fillRef>
+          <a:effectRef idx="0">
+            <a:schemeClr val="accent1"/>
+          </a:effectRef>
+          <a:fontRef idx="minor">
+            <a:schemeClr val="tx1"/>
+          </a:fontRef>
+        </p:style>
+      </p:cxnSp>
+    </p:spTree>
+    <p:extLst>
+      <p:ext uri="{BB962C8B-B14F-4D97-AF65-F5344CB8AC3E}">
+        <p14:creationId xmlns:p14="http://schemas.microsoft.com/office/powerpoint/2010/main" val="3042263474"/>
+      </p:ext>
+    </p:extLst>
+  </p:cSld>
+  <p:clrMapOvr>
+    <a:masterClrMapping/>
+  </p:clrMapOvr>
+  <p:timing>
+    <p:tnLst>
+      <p:par>
+        <p:cTn id="1" dur="indefinite" restart="never" nodeType="tmRoot">
+          <p:childTnLst>
+            <p:seq concurrent="1" nextAc="seek">
+              <p:cTn id="2" dur="indefinite" nodeType="mainSeq">
+                <p:childTnLst>
+                  <p:par>
+                    <p:cTn id="3" fill="hold">
+                      <p:stCondLst>
+                        <p:cond delay="indefinite"/>
+                        <p:cond evt="onBegin" delay="0">
+                          <p:tn val="2"/>
+                        </p:cond>
+                      </p:stCondLst>
+                      <p:childTnLst>
+                        <p:par>
+                          <p:cTn id="4" fill="hold">
+                            <p:stCondLst>
+                              <p:cond delay="0"/>
+                            </p:stCondLst>
+                            <p:childTnLst>
+                              <p:par>
+                                <p:cTn id="5" presetID="10" presetClass="entr" presetSubtype="0" fill="hold" grpId="0" nodeType="withEffect">
+                                  <p:stCondLst>
+                                    <p:cond delay="500"/>
+                                  </p:stCondLst>
+                                  <p:iterate type="wd">
+                                    <p:tmPct val="15000"/>
+                                  </p:iterate>
+                                  <p:childTnLst>
+                                    <p:set>
+                                      <p:cBhvr>
+                                        <p:cTn id="6" dur="1" fill="hold">
+                                          <p:stCondLst>
+                                            <p:cond delay="0"/>
+                                          </p:stCondLst>
+                                        </p:cTn>
+                                        <p:tgtEl>
+                                          <p:spTgt spid="3"/>
+                                        </p:tgtEl>
+                                        <p:attrNameLst>
+                                          <p:attrName>style.visibility</p:attrName>
+                                        </p:attrNameLst>
+                                      </p:cBhvr>
+                                      <p:to>
+                                        <p:strVal val="visible"/>
+                                      </p:to>
+                                    </p:set>
+                                    <p:animEffect transition="in" filter="fade">
+                                      <p:cBhvr>
+                                        <p:cTn id="7" dur="1000"/>
+                                        <p:tgtEl>
+                                          <p:spTgt spid="3"/>
+                                        </p:tgtEl>
+                                      </p:cBhvr>
+                                    </p:animEffect>
+                                  </p:childTnLst>
+                                </p:cTn>
+                              </p:par>
+                            </p:childTnLst>
+                          </p:cTn>
+                        </p:par>
+                      </p:childTnLst>
+                    </p:cTn>
+                  </p:par>
+                </p:childTnLst>
+              </p:cTn>
+              <p:prevCondLst>
+                <p:cond evt="onPrev" delay="0">
+                  <p:tgtEl>
+                    <p:sldTgt/>
+                  </p:tgtEl>
+                </p:cond>
+              </p:prevCondLst>
+              <p:nextCondLst>
+                <p:cond evt="onNext" delay="0">
+                  <p:tgtEl>
+                    <p:sldTgt/>
+                  </p:tgtEl>
+                </p:cond>
+              </p:nextCondLst>
+            </p:seq>
+          </p:childTnLst>
+        </p:cTn>
+      </p:par>
+    </p:tnLst>
+    <p:bldLst>
+      <p:bldP spid="3" grpId="0"/>
+    </p:bldLst>
+  </p:timing>
+</p:sld>
+</file>
+
+<file path=ppt/slides/slide19.xml><?xml version="1.0" encoding="utf-8"?>
+<p:sld xmlns:a="http://schemas.openxmlformats.org/drawingml/2006/main" xmlns:r="http://schemas.openxmlformats.org/officeDocument/2006/relationships" xmlns:p="http://schemas.openxmlformats.org/presentationml/2006/main">
+  <p:cSld>
+    <p:bg>
+      <p:bgPr>
+        <a:solidFill>
+          <a:schemeClr val="bg1"/>
+        </a:solidFill>
+        <a:effectLst/>
+      </p:bgPr>
+    </p:bg>
+    <p:spTree>
+      <p:nvGrpSpPr>
+        <p:cNvPr id="1" name=""/>
+        <p:cNvGrpSpPr/>
+        <p:nvPr/>
+      </p:nvGrpSpPr>
+      <p:grpSpPr>
+        <a:xfrm>
+          <a:off x="0" y="0"/>
+          <a:ext cx="0" cy="0"/>
+          <a:chOff x="0" y="0"/>
+          <a:chExt cx="0" cy="0"/>
+        </a:xfrm>
+      </p:grpSpPr>
+      <p:cxnSp>
+        <p:nvCxnSpPr>
           <p:cNvPr id="52" name="Straight Connector 51">
             <a:extLst>
               <a:ext uri="{FF2B5EF4-FFF2-40B4-BE49-F238E27FC236}">
@@ -27203,69 +29238,6 @@
             </a:r>
           </a:p>
           <a:p>
-            <a:pPr algn="ctr"/>
-            <a:endParaRPr lang="en-US" sz="2400" dirty="0">
-              <a:solidFill>
-                <a:schemeClr val="tx1"/>
-              </a:solidFill>
-              <a:latin typeface="Arial" panose="020B0604020202020204" pitchFamily="34" charset="0"/>
-              <a:cs typeface="Arial" panose="020B0604020202020204" pitchFamily="34" charset="0"/>
-            </a:endParaRPr>
-          </a:p>
-          <a:p>
-            <a:pPr indent="-228600" algn="ctr">
-              <a:buFont typeface="Arial" panose="020B0604020202020204" pitchFamily="34" charset="0"/>
-              <a:buChar char="•"/>
-            </a:pPr>
-            <a:r>
-              <a:rPr lang="en-US" sz="2400" dirty="0">
-                <a:solidFill>
-                  <a:schemeClr val="tx1"/>
-                </a:solidFill>
-                <a:latin typeface="Arial" panose="020B0604020202020204" pitchFamily="34" charset="0"/>
-                <a:cs typeface="Arial" panose="020B0604020202020204" pitchFamily="34" charset="0"/>
-              </a:rPr>
-              <a:t>Email:</a:t>
-            </a:r>
-            <a:br>
-              <a:rPr lang="en-US" sz="2400" dirty="0">
-                <a:solidFill>
-                  <a:schemeClr val="tx1"/>
-                </a:solidFill>
-                <a:latin typeface="Arial" panose="020B0604020202020204" pitchFamily="34" charset="0"/>
-                <a:cs typeface="Arial" panose="020B0604020202020204" pitchFamily="34" charset="0"/>
-              </a:rPr>
-            </a:br>
-            <a:r>
-              <a:rPr lang="en-US" sz="2400" dirty="0">
-                <a:solidFill>
-                  <a:schemeClr val="tx1"/>
-                </a:solidFill>
-                <a:latin typeface="Arial" panose="020B0604020202020204" pitchFamily="34" charset="0"/>
-                <a:cs typeface="Arial" panose="020B0604020202020204" pitchFamily="34" charset="0"/>
-                <a:hlinkClick r:id="rId3"/>
-              </a:rPr>
-              <a:t>aqeeb.r.hussain@durham.ac.uk</a:t>
-            </a:r>
-            <a:endParaRPr lang="en-US" sz="2400" dirty="0">
-              <a:solidFill>
-                <a:schemeClr val="tx1"/>
-              </a:solidFill>
-              <a:latin typeface="Arial" panose="020B0604020202020204" pitchFamily="34" charset="0"/>
-              <a:cs typeface="Arial" panose="020B0604020202020204" pitchFamily="34" charset="0"/>
-            </a:endParaRPr>
-          </a:p>
-          <a:p>
-            <a:pPr algn="ctr"/>
-            <a:endParaRPr lang="en-US" sz="2400" dirty="0">
-              <a:solidFill>
-                <a:schemeClr val="tx1"/>
-              </a:solidFill>
-              <a:latin typeface="Arial" panose="020B0604020202020204" pitchFamily="34" charset="0"/>
-              <a:cs typeface="Arial" panose="020B0604020202020204" pitchFamily="34" charset="0"/>
-            </a:endParaRPr>
-          </a:p>
-          <a:p>
             <a:pPr indent="-228600" algn="ctr">
               <a:buFont typeface="Arial" panose="020B0604020202020204" pitchFamily="34" charset="0"/>
               <a:buChar char="•"/>
@@ -27297,7 +29269,7 @@
                 <a:latin typeface="Arial" panose="020B0604020202020204" pitchFamily="34" charset="0"/>
                 <a:cs typeface="Arial" panose="020B0604020202020204" pitchFamily="34" charset="0"/>
               </a:rPr>
-              <a:t>https://github.com/aqeebhussain122/</a:t>
+              <a:t>https://github.com/aqeebhussain122/hpc-offensive-security</a:t>
             </a:r>
           </a:p>
         </p:txBody>
@@ -27319,7 +29291,7 @@
           </p:nvPr>
         </p:nvPicPr>
         <p:blipFill rotWithShape="1">
-          <a:blip r:embed="rId4"/>
+          <a:blip r:embed="rId3"/>
           <a:srcRect r="42123" b="2"/>
           <a:stretch/>
         </p:blipFill>
@@ -27391,7 +29363,7 @@
           </p:nvPr>
         </p:nvPicPr>
         <p:blipFill rotWithShape="1">
-          <a:blip r:embed="rId5"/>
+          <a:blip r:embed="rId4"/>
           <a:srcRect t="17356" r="3" b="16609"/>
           <a:stretch/>
         </p:blipFill>
@@ -27567,7 +29539,7 @@
           </p:nvPr>
         </p:nvPicPr>
         <p:blipFill rotWithShape="1">
-          <a:blip r:embed="rId6"/>
+          <a:blip r:embed="rId5"/>
           <a:srcRect r="5" b="5"/>
           <a:stretch/>
         </p:blipFill>
@@ -27630,7 +29602,7 @@
           </p:nvPr>
         </p:nvPicPr>
         <p:blipFill rotWithShape="1">
-          <a:blip r:embed="rId7"/>
+          <a:blip r:embed="rId6"/>
           <a:srcRect r="2708" b="5"/>
           <a:stretch/>
         </p:blipFill>
@@ -27729,7 +29701,7 @@
                   <a:spcPts val="600"/>
                 </a:spcAft>
               </a:pPr>
-              <a:t>17</a:t>
+              <a:t>19</a:t>
             </a:fld>
             <a:endParaRPr lang="en-US">
               <a:solidFill>
